--- a/6_notes/YM/Project/Docs/Resume Ranker2 .pptx
+++ b/6_notes/YM/Project/Docs/Resume Ranker2 .pptx
@@ -9261,8 +9261,8 @@
         </p:nvSpPr>
         <p:spPr>
           <a:xfrm>
-            <a:off x="1201750" y="850725"/>
-            <a:ext cx="6066300" cy="1494900"/>
+            <a:off x="142875" y="879300"/>
+            <a:ext cx="8272463" cy="1494900"/>
           </a:xfrm>
           <a:prstGeom prst="rect">
             <a:avLst/>
@@ -9274,7 +9274,7 @@
           </a:bodyPr>
           <a:lstStyle/>
           <a:p>
-            <a:pPr marL="457200" lvl="0" indent="457200" algn="l" rtl="0">
+            <a:pPr marL="457200" lvl="0" indent="457200" algn="ctr" rtl="0">
               <a:spcBef>
                 <a:spcPts val="0"/>
               </a:spcBef>
@@ -9284,13 +9284,13 @@
               <a:buNone/>
             </a:pPr>
             <a:r>
-              <a:rPr lang="tr" sz="4400"/>
+              <a:rPr lang="tr" sz="4400" dirty="0"/>
               <a:t>Bizi Dinlediğiniz İçin</a:t>
             </a:r>
-            <a:endParaRPr sz="4400"/>
+            <a:endParaRPr sz="4400" dirty="0"/>
           </a:p>
           <a:p>
-            <a:pPr marL="457200" lvl="0" indent="457200" algn="l" rtl="0">
+            <a:pPr marL="457200" lvl="0" indent="457200" algn="ctr" rtl="0">
               <a:spcBef>
                 <a:spcPts val="0"/>
               </a:spcBef>
@@ -9300,10 +9300,10 @@
               <a:buNone/>
             </a:pPr>
             <a:r>
-              <a:rPr lang="tr" sz="4400"/>
-              <a:t>	Teşekkür Ederiz…</a:t>
+              <a:rPr lang="tr" sz="4400" dirty="0"/>
+              <a:t>Teşekkür Ederiz…</a:t>
             </a:r>
-            <a:endParaRPr/>
+            <a:endParaRPr dirty="0"/>
           </a:p>
         </p:txBody>
       </p:sp>
@@ -9345,7 +9345,7 @@
               <a:buNone/>
             </a:pPr>
             <a:r>
-              <a:rPr lang="tr" sz="2400">
+              <a:rPr lang="tr" sz="2400" dirty="0">
                 <a:solidFill>
                   <a:schemeClr val="dk2"/>
                 </a:solidFill>
@@ -9356,7 +9356,7 @@
               </a:rPr>
               <a:t>032290008 - Murat Berk Yetiştirir</a:t>
             </a:r>
-            <a:endParaRPr sz="2400">
+            <a:endParaRPr sz="2400" dirty="0">
               <a:solidFill>
                 <a:schemeClr val="dk2"/>
               </a:solidFill>
@@ -9380,7 +9380,7 @@
               <a:buNone/>
             </a:pPr>
             <a:r>
-              <a:rPr lang="tr" sz="2400">
+              <a:rPr lang="tr" sz="2400" dirty="0">
                 <a:solidFill>
                   <a:schemeClr val="dk2"/>
                 </a:solidFill>
@@ -9391,7 +9391,7 @@
               </a:rPr>
               <a:t>032290024 - Yiğit Özdemir</a:t>
             </a:r>
-            <a:endParaRPr sz="2400">
+            <a:endParaRPr sz="2400" dirty="0">
               <a:solidFill>
                 <a:schemeClr val="dk2"/>
               </a:solidFill>
@@ -9415,7 +9415,7 @@
               <a:buNone/>
             </a:pPr>
             <a:r>
-              <a:rPr lang="tr" sz="2400">
+              <a:rPr lang="tr" sz="2400" dirty="0">
                 <a:solidFill>
                   <a:schemeClr val="dk2"/>
                 </a:solidFill>
@@ -9426,7 +9426,7 @@
               </a:rPr>
               <a:t>032290157 - Mehmet Halim Baş</a:t>
             </a:r>
-            <a:endParaRPr/>
+            <a:endParaRPr dirty="0"/>
           </a:p>
         </p:txBody>
       </p:sp>
@@ -9617,10 +9617,10 @@
               <a:buNone/>
             </a:pPr>
             <a:r>
-              <a:rPr lang="tr"/>
-              <a:t>UML Kullanım Durumu (Use Case) Diyagramı</a:t>
+              <a:rPr lang="tr" dirty="0"/>
+              <a:t>Use Case Diyagramı</a:t>
             </a:r>
-            <a:endParaRPr/>
+            <a:endParaRPr dirty="0"/>
           </a:p>
         </p:txBody>
       </p:sp>
@@ -9750,10 +9750,10 @@
               <a:buNone/>
             </a:pPr>
             <a:r>
-              <a:rPr lang="tr"/>
-              <a:t>UML Sınıf Diyagramı (Class Diagram)</a:t>
+              <a:rPr lang="tr" dirty="0"/>
+              <a:t>Class Diagram</a:t>
             </a:r>
-            <a:endParaRPr/>
+            <a:endParaRPr dirty="0"/>
           </a:p>
         </p:txBody>
       </p:sp>
